--- a/download/history-v2-backup.pptx
+++ b/download/history-v2-backup.pptx
@@ -148,6 +148,7 @@
   <p1510:revLst>
     <p1510:client id="{11D330F0-C959-4130-A15A-DFA62B63A99C}" v="420" dt="2022-11-29T14:41:41.716"/>
     <p1510:client id="{6FB88B46-322C-456F-8F7F-EDCCB738A8EF}" v="7" dt="2022-11-29T15:11:49.452"/>
+    <p1510:client id="{99C9D3DA-C4A8-4CB1-8F12-D4AE82F48D7B}" v="2" dt="2022-11-29T16:42:59.394"/>
     <p1510:client id="{D483DC99-7027-4F44-8EC9-4B8EA4553B33}" v="218" dt="2022-11-29T14:12:59.435"/>
     <p1510:client id="{DA3B57BC-2199-4ABA-BCD4-C1346E6B6793}" v="757" dt="2022-11-29T12:51:13.923"/>
     <p1510:client id="{DEBCD486-72A2-4F28-82D8-6DC1F442B31F}" v="69" dt="2022-11-29T12:57:49.513"/>
@@ -17161,19 +17162,7 @@
               <a:rPr lang="en-US" sz="3200" i="1" dirty="0">
                 <a:latin typeface="Gabriola"/>
               </a:rPr>
-              <a:t>.                                                  ~  </a:t>
-            </a:r>
-            <a:r>
-              <a:rPr lang="en-US" sz="3200" i="1" dirty="0" err="1">
-                <a:latin typeface="Gabriola"/>
-              </a:rPr>
-              <a:t>Amaydeep</a:t>
-            </a:r>
-            <a:r>
-              <a:rPr lang="en-US" sz="3200" i="1" dirty="0">
-                <a:latin typeface="Gabriola"/>
-              </a:rPr>
-              <a:t> </a:t>
+              <a:t>.                                                  ~  Amay deep </a:t>
             </a:r>
             <a:r>
               <a:rPr lang="en-US" sz="3200" i="1" dirty="0" err="1">
